--- a/instructions/Instructions_visual_first_task_keyboard.pptx
+++ b/instructions/Instructions_visual_first_task_keyboard.pptx
@@ -305,7 +305,7 @@
           <a:p>
             <a:fld id="{9D7C6ACB-8DF6-1449-BE97-CA8D947F79D3}" type="datetimeFigureOut">
               <a:rPr lang="en-US" smtClean="0"/>
-              <a:t>7/11/2023</a:t>
+              <a:t>7/18/2023</a:t>
             </a:fld>
             <a:endParaRPr lang="en-US"/>
           </a:p>
@@ -473,7 +473,7 @@
           <a:p>
             <a:fld id="{9D7C6ACB-8DF6-1449-BE97-CA8D947F79D3}" type="datetimeFigureOut">
               <a:rPr lang="en-US" smtClean="0"/>
-              <a:t>7/11/2023</a:t>
+              <a:t>7/18/2023</a:t>
             </a:fld>
             <a:endParaRPr lang="en-US"/>
           </a:p>
@@ -651,7 +651,7 @@
           <a:p>
             <a:fld id="{9D7C6ACB-8DF6-1449-BE97-CA8D947F79D3}" type="datetimeFigureOut">
               <a:rPr lang="en-US" smtClean="0"/>
-              <a:t>7/11/2023</a:t>
+              <a:t>7/18/2023</a:t>
             </a:fld>
             <a:endParaRPr lang="en-US"/>
           </a:p>
@@ -819,7 +819,7 @@
           <a:p>
             <a:fld id="{9D7C6ACB-8DF6-1449-BE97-CA8D947F79D3}" type="datetimeFigureOut">
               <a:rPr lang="en-US" smtClean="0"/>
-              <a:t>7/11/2023</a:t>
+              <a:t>7/18/2023</a:t>
             </a:fld>
             <a:endParaRPr lang="en-US"/>
           </a:p>
@@ -1064,7 +1064,7 @@
           <a:p>
             <a:fld id="{9D7C6ACB-8DF6-1449-BE97-CA8D947F79D3}" type="datetimeFigureOut">
               <a:rPr lang="en-US" smtClean="0"/>
-              <a:t>7/11/2023</a:t>
+              <a:t>7/18/2023</a:t>
             </a:fld>
             <a:endParaRPr lang="en-US"/>
           </a:p>
@@ -1349,7 +1349,7 @@
           <a:p>
             <a:fld id="{9D7C6ACB-8DF6-1449-BE97-CA8D947F79D3}" type="datetimeFigureOut">
               <a:rPr lang="en-US" smtClean="0"/>
-              <a:t>7/11/2023</a:t>
+              <a:t>7/18/2023</a:t>
             </a:fld>
             <a:endParaRPr lang="en-US"/>
           </a:p>
@@ -1768,7 +1768,7 @@
           <a:p>
             <a:fld id="{9D7C6ACB-8DF6-1449-BE97-CA8D947F79D3}" type="datetimeFigureOut">
               <a:rPr lang="en-US" smtClean="0"/>
-              <a:t>7/11/2023</a:t>
+              <a:t>7/18/2023</a:t>
             </a:fld>
             <a:endParaRPr lang="en-US"/>
           </a:p>
@@ -1885,7 +1885,7 @@
           <a:p>
             <a:fld id="{9D7C6ACB-8DF6-1449-BE97-CA8D947F79D3}" type="datetimeFigureOut">
               <a:rPr lang="en-US" smtClean="0"/>
-              <a:t>7/11/2023</a:t>
+              <a:t>7/18/2023</a:t>
             </a:fld>
             <a:endParaRPr lang="en-US"/>
           </a:p>
@@ -1980,7 +1980,7 @@
           <a:p>
             <a:fld id="{9D7C6ACB-8DF6-1449-BE97-CA8D947F79D3}" type="datetimeFigureOut">
               <a:rPr lang="en-US" smtClean="0"/>
-              <a:t>7/11/2023</a:t>
+              <a:t>7/18/2023</a:t>
             </a:fld>
             <a:endParaRPr lang="en-US"/>
           </a:p>
@@ -2255,7 +2255,7 @@
           <a:p>
             <a:fld id="{9D7C6ACB-8DF6-1449-BE97-CA8D947F79D3}" type="datetimeFigureOut">
               <a:rPr lang="en-US" smtClean="0"/>
-              <a:t>7/11/2023</a:t>
+              <a:t>7/18/2023</a:t>
             </a:fld>
             <a:endParaRPr lang="en-US"/>
           </a:p>
@@ -2507,7 +2507,7 @@
           <a:p>
             <a:fld id="{9D7C6ACB-8DF6-1449-BE97-CA8D947F79D3}" type="datetimeFigureOut">
               <a:rPr lang="en-US" smtClean="0"/>
-              <a:t>7/11/2023</a:t>
+              <a:t>7/18/2023</a:t>
             </a:fld>
             <a:endParaRPr lang="en-US"/>
           </a:p>
@@ -2721,7 +2721,7 @@
           <a:p>
             <a:fld id="{9D7C6ACB-8DF6-1449-BE97-CA8D947F79D3}" type="datetimeFigureOut">
               <a:rPr lang="en-US" smtClean="0"/>
-              <a:t>7/11/2023</a:t>
+              <a:t>7/18/2023</a:t>
             </a:fld>
             <a:endParaRPr lang="en-US"/>
           </a:p>
@@ -3219,11 +3219,11 @@
               <a:t>Press the </a:t>
             </a:r>
             <a:r>
-              <a:rPr lang="en-US" sz="2400" b="1" i="1" dirty="0"/>
-              <a:t>right ring finger button </a:t>
-            </a:r>
-            <a:r>
-              <a:rPr lang="en-US" sz="2400" i="1" dirty="0"/>
+              <a:rPr lang="en-US" sz="2400" b="1" i="1" dirty="0" smtClean="0"/>
+              <a:t>right arrow </a:t>
+            </a:r>
+            <a:r>
+              <a:rPr lang="en-US" sz="2400" i="1" dirty="0" smtClean="0"/>
               <a:t>to </a:t>
             </a:r>
             <a:r>
@@ -3377,7 +3377,7 @@
             </a:r>
             <a:r>
               <a:rPr lang="en-US" sz="2400" b="1" dirty="0" smtClean="0"/>
-              <a:t>right middle finger button</a:t>
+              <a:t>space bar</a:t>
             </a:r>
             <a:endParaRPr lang="en-US" sz="2400" b="1" dirty="0"/>
           </a:p>
@@ -3537,7 +3537,7 @@
             </a:r>
             <a:r>
               <a:rPr lang="en-US" sz="2400" b="1" i="1" dirty="0"/>
-              <a:t>right ring finger button </a:t>
+              <a:t>right arrow </a:t>
             </a:r>
             <a:r>
               <a:rPr lang="en-US" sz="2400" i="1" dirty="0"/>
@@ -3553,7 +3553,7 @@
             </a:r>
             <a:r>
               <a:rPr lang="en-US" sz="2400" b="1" i="1" dirty="0"/>
-              <a:t>left ring finger button</a:t>
+              <a:t>left arrow</a:t>
             </a:r>
             <a:r>
               <a:rPr lang="en-US" sz="2400" i="1" dirty="0"/>
@@ -3606,7 +3606,7 @@
         <p:spPr>
           <a:xfrm>
             <a:off x="2221200" y="1119600"/>
-            <a:ext cx="7774486" cy="3416320"/>
+            <a:ext cx="7774486" cy="3046988"/>
           </a:xfrm>
           <a:prstGeom prst="rect">
             <a:avLst/>
@@ -3654,11 +3654,15 @@
             </a:r>
             <a:r>
               <a:rPr lang="en-US" sz="2400" b="1" dirty="0" smtClean="0"/>
-              <a:t>left index finger button </a:t>
+              <a:t>down arrow </a:t>
             </a:r>
             <a:r>
               <a:rPr lang="en-US" sz="2400" dirty="0" smtClean="0"/>
-              <a:t>when you hear a </a:t>
+              <a:t>when </a:t>
+            </a:r>
+            <a:r>
+              <a:rPr lang="en-US" sz="2400" dirty="0" smtClean="0"/>
+              <a:t>you hear a </a:t>
             </a:r>
             <a:r>
               <a:rPr lang="en-US" sz="2400" b="1" dirty="0" smtClean="0"/>
@@ -3670,7 +3674,7 @@
             </a:r>
             <a:r>
               <a:rPr lang="en-US" sz="2400" b="1" dirty="0" smtClean="0"/>
-              <a:t>right index finger button </a:t>
+              <a:t>up arrow </a:t>
             </a:r>
             <a:r>
               <a:rPr lang="en-US" sz="2400" dirty="0" smtClean="0"/>
@@ -3728,7 +3732,7 @@
             </a:r>
             <a:r>
               <a:rPr lang="en-US" sz="2400" b="1" i="1" dirty="0"/>
-              <a:t>right ring finger button </a:t>
+              <a:t>right arrow </a:t>
             </a:r>
             <a:r>
               <a:rPr lang="en-US" sz="2400" i="1" dirty="0"/>
@@ -3744,7 +3748,7 @@
             </a:r>
             <a:r>
               <a:rPr lang="en-US" sz="2400" b="1" i="1" dirty="0"/>
-              <a:t>left ring finger button</a:t>
+              <a:t>left arrow</a:t>
             </a:r>
             <a:r>
               <a:rPr lang="en-US" sz="2400" i="1" dirty="0"/>
@@ -3978,35 +3982,35 @@
           <a:p>
             <a:pPr algn="ctr"/>
             <a:r>
-              <a:rPr lang="en-US" sz="2400" i="1" dirty="0"/>
+              <a:rPr lang="en-US" sz="2400" i="1"/>
               <a:t>Press the </a:t>
             </a:r>
             <a:r>
-              <a:rPr lang="en-US" sz="2400" b="1" i="1" dirty="0"/>
-              <a:t>right ring finger button </a:t>
-            </a:r>
-            <a:r>
-              <a:rPr lang="en-US" sz="2400" i="1" dirty="0"/>
+              <a:rPr lang="en-US" sz="2400" b="1" i="1"/>
+              <a:t>right arrow </a:t>
+            </a:r>
+            <a:r>
+              <a:rPr lang="en-US" sz="2400" i="1"/>
               <a:t>to </a:t>
             </a:r>
             <a:r>
-              <a:rPr lang="en-US" sz="2400" b="1" i="1" dirty="0"/>
+              <a:rPr lang="en-US" sz="2400" b="1" i="1"/>
               <a:t>proceed</a:t>
             </a:r>
             <a:r>
-              <a:rPr lang="en-US" sz="2400" i="1" dirty="0"/>
+              <a:rPr lang="en-US" sz="2400" i="1"/>
               <a:t> or the </a:t>
             </a:r>
             <a:r>
-              <a:rPr lang="en-US" sz="2400" b="1" i="1" dirty="0"/>
-              <a:t>left ring finger button</a:t>
-            </a:r>
-            <a:r>
-              <a:rPr lang="en-US" sz="2400" i="1" dirty="0"/>
+              <a:rPr lang="en-US" sz="2400" b="1" i="1"/>
+              <a:t>left arrow</a:t>
+            </a:r>
+            <a:r>
+              <a:rPr lang="en-US" sz="2400" i="1"/>
               <a:t> to return to the </a:t>
             </a:r>
             <a:r>
-              <a:rPr lang="en-US" sz="2400" b="1" i="1" dirty="0"/>
+              <a:rPr lang="en-US" sz="2400" b="1" i="1"/>
               <a:t>previous slide</a:t>
             </a:r>
             <a:endParaRPr lang="en-US" sz="2400" i="1" dirty="0"/>
